--- a/Companion.스토리보드.VER.0.3(공통사항).pptx
+++ b/Companion.스토리보드.VER.0.3(공통사항).pptx
@@ -9697,8 +9697,8 @@
         </p:nvSpPr>
         <p:spPr>
           <a:xfrm>
-            <a:off x="1874750" y="5829766"/>
-            <a:ext cx="846002" cy="425673"/>
+            <a:off x="2234712" y="5829766"/>
+            <a:ext cx="930602" cy="425673"/>
           </a:xfrm>
           <a:prstGeom prst="rect">
             <a:avLst/>
@@ -9732,6 +9732,16 @@
           <a:p>
             <a:pPr algn="ctr"/>
             <a:r>
+              <a:rPr lang="ko-KR" altLang="en-US" sz="1100">
+                <a:solidFill>
+                  <a:schemeClr val="bg1"/>
+                </a:solidFill>
+                <a:latin typeface="맑은 고딕" panose="020B0503020000020004" pitchFamily="50" charset="-127"/>
+                <a:ea typeface="맑은 고딕" panose="020B0503020000020004" pitchFamily="50" charset="-127"/>
+              </a:rPr>
+              <a:t>쇼핑몰 </a:t>
+            </a:r>
+            <a:r>
               <a:rPr lang="ko-KR" altLang="en-US" sz="1100" dirty="0">
                 <a:solidFill>
                   <a:schemeClr val="bg1"/>
@@ -9739,7 +9749,7 @@
                 <a:latin typeface="맑은 고딕" panose="020B0503020000020004" pitchFamily="50" charset="-127"/>
                 <a:ea typeface="맑은 고딕" panose="020B0503020000020004" pitchFamily="50" charset="-127"/>
               </a:rPr>
-              <a:t>쇼핑 관리</a:t>
+              <a:t>관리</a:t>
             </a:r>
           </a:p>
         </p:txBody>
@@ -9839,75 +9849,7 @@
         </p:nvSpPr>
         <p:spPr>
           <a:xfrm>
-            <a:off x="2718088" y="5829766"/>
-            <a:ext cx="846002" cy="425673"/>
-          </a:xfrm>
-          <a:prstGeom prst="rect">
-            <a:avLst/>
-          </a:prstGeom>
-          <a:solidFill>
-            <a:srgbClr val="0F4C81"/>
-          </a:solidFill>
-          <a:ln>
-            <a:noFill/>
-          </a:ln>
-        </p:spPr>
-        <p:style>
-          <a:lnRef idx="2">
-            <a:schemeClr val="accent1">
-              <a:shade val="50000"/>
-            </a:schemeClr>
-          </a:lnRef>
-          <a:fillRef idx="1">
-            <a:schemeClr val="accent1"/>
-          </a:fillRef>
-          <a:effectRef idx="0">
-            <a:schemeClr val="accent1"/>
-          </a:effectRef>
-          <a:fontRef idx="minor">
-            <a:schemeClr val="lt1"/>
-          </a:fontRef>
-        </p:style>
-        <p:txBody>
-          <a:bodyPr rtlCol="0" anchor="ctr"/>
-          <a:lstStyle/>
-          <a:p>
-            <a:pPr algn="ctr"/>
-            <a:r>
-              <a:rPr lang="ko-KR" altLang="en-US" sz="1100">
-                <a:solidFill>
-                  <a:schemeClr val="bg1"/>
-                </a:solidFill>
-                <a:latin typeface="맑은 고딕" panose="020B0503020000020004" pitchFamily="50" charset="-127"/>
-                <a:ea typeface="맑은 고딕" panose="020B0503020000020004" pitchFamily="50" charset="-127"/>
-              </a:rPr>
-              <a:t>호텔 관리</a:t>
-            </a:r>
-            <a:endParaRPr lang="ko-KR" altLang="en-US" sz="1100" dirty="0">
-              <a:solidFill>
-                <a:schemeClr val="bg1"/>
-              </a:solidFill>
-              <a:latin typeface="맑은 고딕" panose="020B0503020000020004" pitchFamily="50" charset="-127"/>
-              <a:ea typeface="맑은 고딕" panose="020B0503020000020004" pitchFamily="50" charset="-127"/>
-            </a:endParaRPr>
-          </a:p>
-        </p:txBody>
-      </p:sp>
-      <p:sp>
-        <p:nvSpPr>
-          <p:cNvPr id="60" name="직사각형 59">
-            <a:extLst>
-              <a:ext uri="{FF2B5EF4-FFF2-40B4-BE49-F238E27FC236}">
-                <a16:creationId xmlns:a16="http://schemas.microsoft.com/office/drawing/2014/main" id="{B1E1EC40-627E-47CD-8BF4-2CD49DCFCF1F}"/>
-              </a:ext>
-            </a:extLst>
-          </p:cNvPr>
-          <p:cNvSpPr/>
-          <p:nvPr/>
-        </p:nvSpPr>
-        <p:spPr>
-          <a:xfrm>
-            <a:off x="5248102" y="5829766"/>
+            <a:off x="3429663" y="5829766"/>
             <a:ext cx="846002" cy="425673"/>
           </a:xfrm>
           <a:prstGeom prst="rect">
@@ -9949,37 +9891,17 @@
                 <a:latin typeface="맑은 고딕" panose="020B0503020000020004" pitchFamily="50" charset="-127"/>
                 <a:ea typeface="맑은 고딕" panose="020B0503020000020004" pitchFamily="50" charset="-127"/>
               </a:rPr>
-              <a:t>공지사항</a:t>
-            </a:r>
-            <a:endParaRPr lang="en-US" altLang="ko-KR" sz="1100" dirty="0">
-              <a:solidFill>
-                <a:schemeClr val="bg1"/>
-              </a:solidFill>
-              <a:latin typeface="맑은 고딕" panose="020B0503020000020004" pitchFamily="50" charset="-127"/>
-              <a:ea typeface="맑은 고딕" panose="020B0503020000020004" pitchFamily="50" charset="-127"/>
-            </a:endParaRPr>
-          </a:p>
-          <a:p>
-            <a:pPr algn="ctr"/>
-            <a:r>
-              <a:rPr lang="ko-KR" altLang="en-US" sz="1100" dirty="0">
-                <a:solidFill>
-                  <a:schemeClr val="bg1"/>
-                </a:solidFill>
-                <a:latin typeface="맑은 고딕" panose="020B0503020000020004" pitchFamily="50" charset="-127"/>
-                <a:ea typeface="맑은 고딕" panose="020B0503020000020004" pitchFamily="50" charset="-127"/>
-              </a:rPr>
-              <a:t>관리</a:t>
+              <a:t>호텔 관리</a:t>
             </a:r>
           </a:p>
         </p:txBody>
       </p:sp>
       <p:sp>
         <p:nvSpPr>
-          <p:cNvPr id="61" name="직사각형 60">
+          <p:cNvPr id="60" name="직사각형 59">
             <a:extLst>
               <a:ext uri="{FF2B5EF4-FFF2-40B4-BE49-F238E27FC236}">
-                <a16:creationId xmlns:a16="http://schemas.microsoft.com/office/drawing/2014/main" id="{46D66456-7966-4E16-9584-0D89185892D3}"/>
+                <a16:creationId xmlns:a16="http://schemas.microsoft.com/office/drawing/2014/main" id="{B1E1EC40-627E-47CD-8BF4-2CD49DCFCF1F}"/>
               </a:ext>
             </a:extLst>
           </p:cNvPr>
@@ -9988,7 +9910,7 @@
         </p:nvSpPr>
         <p:spPr>
           <a:xfrm>
-            <a:off x="3561426" y="5829766"/>
+            <a:off x="5650364" y="5829766"/>
             <a:ext cx="846002" cy="425673"/>
           </a:xfrm>
           <a:prstGeom prst="rect">
@@ -10023,22 +9945,15 @@
           <a:p>
             <a:pPr algn="ctr"/>
             <a:r>
-              <a:rPr lang="ko-KR" altLang="en-US" sz="1100">
+              <a:rPr lang="ko-KR" altLang="en-US" sz="1100" dirty="0">
                 <a:solidFill>
                   <a:schemeClr val="bg1"/>
                 </a:solidFill>
                 <a:latin typeface="맑은 고딕" panose="020B0503020000020004" pitchFamily="50" charset="-127"/>
                 <a:ea typeface="맑은 고딕" panose="020B0503020000020004" pitchFamily="50" charset="-127"/>
               </a:rPr>
-              <a:t>주문 관리</a:t>
+              <a:t>프로모션</a:t>
             </a:r>
-            <a:endParaRPr lang="ko-KR" altLang="en-US" sz="1100" dirty="0">
-              <a:solidFill>
-                <a:schemeClr val="bg1"/>
-              </a:solidFill>
-              <a:latin typeface="맑은 고딕" panose="020B0503020000020004" pitchFamily="50" charset="-127"/>
-              <a:ea typeface="맑은 고딕" panose="020B0503020000020004" pitchFamily="50" charset="-127"/>
-            </a:endParaRPr>
           </a:p>
         </p:txBody>
       </p:sp>
@@ -10056,7 +9971,7 @@
         </p:nvSpPr>
         <p:spPr>
           <a:xfrm>
-            <a:off x="4404764" y="5829766"/>
+            <a:off x="4540014" y="5829766"/>
             <a:ext cx="846002" cy="425673"/>
           </a:xfrm>
           <a:prstGeom prst="rect">
@@ -10107,86 +10022,6 @@
               <a:latin typeface="맑은 고딕" panose="020B0503020000020004" pitchFamily="50" charset="-127"/>
               <a:ea typeface="맑은 고딕" panose="020B0503020000020004" pitchFamily="50" charset="-127"/>
             </a:endParaRPr>
-          </a:p>
-        </p:txBody>
-      </p:sp>
-      <p:sp>
-        <p:nvSpPr>
-          <p:cNvPr id="64" name="직사각형 63">
-            <a:extLst>
-              <a:ext uri="{FF2B5EF4-FFF2-40B4-BE49-F238E27FC236}">
-                <a16:creationId xmlns:a16="http://schemas.microsoft.com/office/drawing/2014/main" id="{25DD99BE-98F3-4F39-BEEE-A35D9F2BED23}"/>
-              </a:ext>
-            </a:extLst>
-          </p:cNvPr>
-          <p:cNvSpPr/>
-          <p:nvPr/>
-        </p:nvSpPr>
-        <p:spPr>
-          <a:xfrm>
-            <a:off x="6091442" y="5829766"/>
-            <a:ext cx="846002" cy="425673"/>
-          </a:xfrm>
-          <a:prstGeom prst="rect">
-            <a:avLst/>
-          </a:prstGeom>
-          <a:solidFill>
-            <a:srgbClr val="0F4C81"/>
-          </a:solidFill>
-          <a:ln>
-            <a:noFill/>
-          </a:ln>
-        </p:spPr>
-        <p:style>
-          <a:lnRef idx="2">
-            <a:schemeClr val="accent1">
-              <a:shade val="50000"/>
-            </a:schemeClr>
-          </a:lnRef>
-          <a:fillRef idx="1">
-            <a:schemeClr val="accent1"/>
-          </a:fillRef>
-          <a:effectRef idx="0">
-            <a:schemeClr val="accent1"/>
-          </a:effectRef>
-          <a:fontRef idx="minor">
-            <a:schemeClr val="lt1"/>
-          </a:fontRef>
-        </p:style>
-        <p:txBody>
-          <a:bodyPr rtlCol="0" anchor="ctr"/>
-          <a:lstStyle/>
-          <a:p>
-            <a:pPr algn="ctr"/>
-            <a:r>
-              <a:rPr lang="ko-KR" altLang="en-US" sz="1100" dirty="0">
-                <a:solidFill>
-                  <a:schemeClr val="bg1"/>
-                </a:solidFill>
-                <a:latin typeface="맑은 고딕" panose="020B0503020000020004" pitchFamily="50" charset="-127"/>
-                <a:ea typeface="맑은 고딕" panose="020B0503020000020004" pitchFamily="50" charset="-127"/>
-              </a:rPr>
-              <a:t>이벤트</a:t>
-            </a:r>
-            <a:br>
-              <a:rPr lang="en-US" altLang="ko-KR" sz="1100" dirty="0">
-                <a:solidFill>
-                  <a:schemeClr val="bg1"/>
-                </a:solidFill>
-                <a:latin typeface="맑은 고딕" panose="020B0503020000020004" pitchFamily="50" charset="-127"/>
-                <a:ea typeface="맑은 고딕" panose="020B0503020000020004" pitchFamily="50" charset="-127"/>
-              </a:rPr>
-            </a:br>
-            <a:r>
-              <a:rPr lang="ko-KR" altLang="en-US" sz="1100" dirty="0">
-                <a:solidFill>
-                  <a:schemeClr val="bg1"/>
-                </a:solidFill>
-                <a:latin typeface="맑은 고딕" panose="020B0503020000020004" pitchFamily="50" charset="-127"/>
-                <a:ea typeface="맑은 고딕" panose="020B0503020000020004" pitchFamily="50" charset="-127"/>
-              </a:rPr>
-              <a:t>관리</a:t>
-            </a:r>
           </a:p>
         </p:txBody>
       </p:sp>
